--- a/BCI - Day14 - Reactjs 3 Web3.pptx
+++ b/BCI - Day14 - Reactjs 3 Web3.pptx
@@ -9772,10 +9772,10 @@
                 <a:solidFill>
                   <a:srgbClr val="FFFFFF"/>
                 </a:solidFill>
-                <a:latin typeface="Montserrat"/>
-                <a:ea typeface="Montserrat"/>
-                <a:cs typeface="Montserrat"/>
-                <a:sym typeface="Montserrat"/>
+                <a:latin typeface="Montserrat" panose="00000500000000000000"/>
+                <a:ea typeface="Montserrat" panose="00000500000000000000"/>
+                <a:cs typeface="Montserrat" panose="00000500000000000000"/>
+                <a:sym typeface="Montserrat" panose="00000500000000000000"/>
               </a:defRPr>
             </a:lvl1pPr>
           </a:lstStyle>
